--- a/sponsors/Sponsors.pptx
+++ b/sponsors/Sponsors.pptx
@@ -5,8 +5,9 @@
     <p:sldMasterId id="2147483648" r:id="rId1"/>
   </p:sldMasterIdLst>
   <p:sldIdLst>
-    <p:sldId id="256" r:id="rId2"/>
-    <p:sldId id="257" r:id="rId3"/>
+    <p:sldId id="257" r:id="rId2"/>
+    <p:sldId id="256" r:id="rId3"/>
+    <p:sldId id="258" r:id="rId4"/>
   </p:sldIdLst>
   <p:sldSz cx="12192000" cy="6858000"/>
   <p:notesSz cx="6858000" cy="9144000"/>
@@ -260,7 +261,7 @@
           <a:p>
             <a:fld id="{DEF9554B-B9F5-F54C-9585-F8785B6DBCA8}" type="datetimeFigureOut">
               <a:rPr lang="en-US" smtClean="0"/>
-              <a:t>1/22/22</a:t>
+              <a:t>3/3/23</a:t>
             </a:fld>
             <a:endParaRPr lang="en-US"/>
           </a:p>
@@ -458,7 +459,7 @@
           <a:p>
             <a:fld id="{DEF9554B-B9F5-F54C-9585-F8785B6DBCA8}" type="datetimeFigureOut">
               <a:rPr lang="en-US" smtClean="0"/>
-              <a:t>1/22/22</a:t>
+              <a:t>3/3/23</a:t>
             </a:fld>
             <a:endParaRPr lang="en-US"/>
           </a:p>
@@ -666,7 +667,7 @@
           <a:p>
             <a:fld id="{DEF9554B-B9F5-F54C-9585-F8785B6DBCA8}" type="datetimeFigureOut">
               <a:rPr lang="en-US" smtClean="0"/>
-              <a:t>1/22/22</a:t>
+              <a:t>3/3/23</a:t>
             </a:fld>
             <a:endParaRPr lang="en-US"/>
           </a:p>
@@ -864,7 +865,7 @@
           <a:p>
             <a:fld id="{DEF9554B-B9F5-F54C-9585-F8785B6DBCA8}" type="datetimeFigureOut">
               <a:rPr lang="en-US" smtClean="0"/>
-              <a:t>1/22/22</a:t>
+              <a:t>3/3/23</a:t>
             </a:fld>
             <a:endParaRPr lang="en-US"/>
           </a:p>
@@ -1139,7 +1140,7 @@
           <a:p>
             <a:fld id="{DEF9554B-B9F5-F54C-9585-F8785B6DBCA8}" type="datetimeFigureOut">
               <a:rPr lang="en-US" smtClean="0"/>
-              <a:t>1/22/22</a:t>
+              <a:t>3/3/23</a:t>
             </a:fld>
             <a:endParaRPr lang="en-US"/>
           </a:p>
@@ -1404,7 +1405,7 @@
           <a:p>
             <a:fld id="{DEF9554B-B9F5-F54C-9585-F8785B6DBCA8}" type="datetimeFigureOut">
               <a:rPr lang="en-US" smtClean="0"/>
-              <a:t>1/22/22</a:t>
+              <a:t>3/3/23</a:t>
             </a:fld>
             <a:endParaRPr lang="en-US"/>
           </a:p>
@@ -1816,7 +1817,7 @@
           <a:p>
             <a:fld id="{DEF9554B-B9F5-F54C-9585-F8785B6DBCA8}" type="datetimeFigureOut">
               <a:rPr lang="en-US" smtClean="0"/>
-              <a:t>1/22/22</a:t>
+              <a:t>3/3/23</a:t>
             </a:fld>
             <a:endParaRPr lang="en-US"/>
           </a:p>
@@ -1957,7 +1958,7 @@
           <a:p>
             <a:fld id="{DEF9554B-B9F5-F54C-9585-F8785B6DBCA8}" type="datetimeFigureOut">
               <a:rPr lang="en-US" smtClean="0"/>
-              <a:t>1/22/22</a:t>
+              <a:t>3/3/23</a:t>
             </a:fld>
             <a:endParaRPr lang="en-US"/>
           </a:p>
@@ -2070,7 +2071,7 @@
           <a:p>
             <a:fld id="{DEF9554B-B9F5-F54C-9585-F8785B6DBCA8}" type="datetimeFigureOut">
               <a:rPr lang="en-US" smtClean="0"/>
-              <a:t>1/22/22</a:t>
+              <a:t>3/3/23</a:t>
             </a:fld>
             <a:endParaRPr lang="en-US"/>
           </a:p>
@@ -2381,7 +2382,7 @@
           <a:p>
             <a:fld id="{DEF9554B-B9F5-F54C-9585-F8785B6DBCA8}" type="datetimeFigureOut">
               <a:rPr lang="en-US" smtClean="0"/>
-              <a:t>1/22/22</a:t>
+              <a:t>3/3/23</a:t>
             </a:fld>
             <a:endParaRPr lang="en-US"/>
           </a:p>
@@ -2669,7 +2670,7 @@
           <a:p>
             <a:fld id="{DEF9554B-B9F5-F54C-9585-F8785B6DBCA8}" type="datetimeFigureOut">
               <a:rPr lang="en-US" smtClean="0"/>
-              <a:t>1/22/22</a:t>
+              <a:t>3/3/23</a:t>
             </a:fld>
             <a:endParaRPr lang="en-US"/>
           </a:p>
@@ -2910,7 +2911,7 @@
           <a:p>
             <a:fld id="{DEF9554B-B9F5-F54C-9585-F8785B6DBCA8}" type="datetimeFigureOut">
               <a:rPr lang="en-US" smtClean="0"/>
-              <a:t>1/22/22</a:t>
+              <a:t>3/3/23</a:t>
             </a:fld>
             <a:endParaRPr lang="en-US"/>
           </a:p>
@@ -3329,10 +3330,10 @@
       </p:grpSpPr>
       <p:pic>
         <p:nvPicPr>
-          <p:cNvPr id="15" name="Picture 14" descr="A close up of a logo&#10;&#10;Description automatically generated">
-            <a:extLst>
-              <a:ext uri="{FF2B5EF4-FFF2-40B4-BE49-F238E27FC236}">
-                <a16:creationId xmlns:a16="http://schemas.microsoft.com/office/drawing/2014/main" id="{50F3F5D7-5F40-6C41-835E-9B8E3D3994D9}"/>
+          <p:cNvPr id="5" name="Picture 4" descr="A picture containing drawing&#10;&#10;Description automatically generated">
+            <a:extLst>
+              <a:ext uri="{FF2B5EF4-FFF2-40B4-BE49-F238E27FC236}">
+                <a16:creationId xmlns:a16="http://schemas.microsoft.com/office/drawing/2014/main" id="{ED41A225-979F-6D45-964C-E0B6D33B1FFF}"/>
               </a:ext>
             </a:extLst>
           </p:cNvPr>
@@ -3349,8 +3350,8 @@
         </p:blipFill>
         <p:spPr>
           <a:xfrm>
-            <a:off x="2089735" y="73838"/>
-            <a:ext cx="1849727" cy="1849727"/>
+            <a:off x="426628" y="388995"/>
+            <a:ext cx="1181664" cy="1189096"/>
           </a:xfrm>
           <a:prstGeom prst="rect">
             <a:avLst/>
@@ -3359,10 +3360,10 @@
       </p:pic>
       <p:pic>
         <p:nvPicPr>
-          <p:cNvPr id="11" name="Picture 10">
-            <a:extLst>
-              <a:ext uri="{FF2B5EF4-FFF2-40B4-BE49-F238E27FC236}">
-                <a16:creationId xmlns:a16="http://schemas.microsoft.com/office/drawing/2014/main" id="{1FC1A3D8-A20B-8B47-86D6-328E583FFCB6}"/>
+          <p:cNvPr id="7" name="Picture 6" descr="A picture containing drawing&#10;&#10;Description automatically generated">
+            <a:extLst>
+              <a:ext uri="{FF2B5EF4-FFF2-40B4-BE49-F238E27FC236}">
+                <a16:creationId xmlns:a16="http://schemas.microsoft.com/office/drawing/2014/main" id="{23651258-4DDC-844D-805E-6ACE555CB52A}"/>
               </a:ext>
             </a:extLst>
           </p:cNvPr>
@@ -3379,8 +3380,8 @@
         </p:blipFill>
         <p:spPr>
           <a:xfrm>
-            <a:off x="1711401" y="1666795"/>
-            <a:ext cx="2097599" cy="1101240"/>
+            <a:off x="426628" y="1862700"/>
+            <a:ext cx="1181664" cy="1038176"/>
           </a:xfrm>
           <a:prstGeom prst="rect">
             <a:avLst/>
@@ -3389,10 +3390,10 @@
       </p:pic>
       <p:pic>
         <p:nvPicPr>
-          <p:cNvPr id="8" name="Picture 7">
-            <a:extLst>
-              <a:ext uri="{FF2B5EF4-FFF2-40B4-BE49-F238E27FC236}">
-                <a16:creationId xmlns:a16="http://schemas.microsoft.com/office/drawing/2014/main" id="{017C8E2A-1122-0545-BC58-2E863E64B0A8}"/>
+          <p:cNvPr id="9" name="Picture 8" descr="A picture containing drawing, plate&#10;&#10;Description automatically generated">
+            <a:extLst>
+              <a:ext uri="{FF2B5EF4-FFF2-40B4-BE49-F238E27FC236}">
+                <a16:creationId xmlns:a16="http://schemas.microsoft.com/office/drawing/2014/main" id="{D06E5292-11C2-2E4D-B66E-A1B949D692E2}"/>
               </a:ext>
             </a:extLst>
           </p:cNvPr>
@@ -3409,8 +3410,8 @@
         </p:blipFill>
         <p:spPr>
           <a:xfrm>
-            <a:off x="5809194" y="1267067"/>
-            <a:ext cx="3523288" cy="1849726"/>
+            <a:off x="4186529" y="1957569"/>
+            <a:ext cx="2097599" cy="579700"/>
           </a:xfrm>
           <a:prstGeom prst="rect">
             <a:avLst/>
@@ -3419,10 +3420,10 @@
       </p:pic>
       <p:pic>
         <p:nvPicPr>
-          <p:cNvPr id="5" name="Picture 4" descr="A picture containing drawing&#10;&#10;Description automatically generated">
-            <a:extLst>
-              <a:ext uri="{FF2B5EF4-FFF2-40B4-BE49-F238E27FC236}">
-                <a16:creationId xmlns:a16="http://schemas.microsoft.com/office/drawing/2014/main" id="{ED41A225-979F-6D45-964C-E0B6D33B1FFF}"/>
+          <p:cNvPr id="15" name="Picture 14" descr="A close up of a logo&#10;&#10;Description automatically generated">
+            <a:extLst>
+              <a:ext uri="{FF2B5EF4-FFF2-40B4-BE49-F238E27FC236}">
+                <a16:creationId xmlns:a16="http://schemas.microsoft.com/office/drawing/2014/main" id="{50F3F5D7-5F40-6C41-835E-9B8E3D3994D9}"/>
               </a:ext>
             </a:extLst>
           </p:cNvPr>
@@ -3439,8 +3440,8 @@
         </p:blipFill>
         <p:spPr>
           <a:xfrm>
-            <a:off x="426628" y="388995"/>
-            <a:ext cx="1181664" cy="1189096"/>
+            <a:off x="2089735" y="73838"/>
+            <a:ext cx="1849727" cy="1849727"/>
           </a:xfrm>
           <a:prstGeom prst="rect">
             <a:avLst/>
@@ -3449,10 +3450,10 @@
       </p:pic>
       <p:pic>
         <p:nvPicPr>
-          <p:cNvPr id="7" name="Picture 6" descr="A picture containing drawing&#10;&#10;Description automatically generated">
-            <a:extLst>
-              <a:ext uri="{FF2B5EF4-FFF2-40B4-BE49-F238E27FC236}">
-                <a16:creationId xmlns:a16="http://schemas.microsoft.com/office/drawing/2014/main" id="{23651258-4DDC-844D-805E-6ACE555CB52A}"/>
+          <p:cNvPr id="6" name="Picture 5" descr="A picture containing drawing&#10;&#10;Description automatically generated">
+            <a:extLst>
+              <a:ext uri="{FF2B5EF4-FFF2-40B4-BE49-F238E27FC236}">
+                <a16:creationId xmlns:a16="http://schemas.microsoft.com/office/drawing/2014/main" id="{C4EF1D29-2FF1-4244-AB22-6C5904462609}"/>
               </a:ext>
             </a:extLst>
           </p:cNvPr>
@@ -3469,8 +3470,8 @@
         </p:blipFill>
         <p:spPr>
           <a:xfrm>
-            <a:off x="426628" y="1862700"/>
-            <a:ext cx="1181664" cy="1038176"/>
+            <a:off x="4018055" y="499749"/>
+            <a:ext cx="2363511" cy="1240843"/>
           </a:xfrm>
           <a:prstGeom prst="rect">
             <a:avLst/>
@@ -3479,10 +3480,10 @@
       </p:pic>
       <p:pic>
         <p:nvPicPr>
-          <p:cNvPr id="9" name="Picture 8" descr="A picture containing drawing, plate&#10;&#10;Description automatically generated">
-            <a:extLst>
-              <a:ext uri="{FF2B5EF4-FFF2-40B4-BE49-F238E27FC236}">
-                <a16:creationId xmlns:a16="http://schemas.microsoft.com/office/drawing/2014/main" id="{D06E5292-11C2-2E4D-B66E-A1B949D692E2}"/>
+          <p:cNvPr id="3" name="Picture 2">
+            <a:extLst>
+              <a:ext uri="{FF2B5EF4-FFF2-40B4-BE49-F238E27FC236}">
+                <a16:creationId xmlns:a16="http://schemas.microsoft.com/office/drawing/2014/main" id="{80F0072E-D3D1-8FFF-045E-6AAC6BAE40CB}"/>
               </a:ext>
             </a:extLst>
           </p:cNvPr>
@@ -3499,8 +3500,8 @@
         </p:blipFill>
         <p:spPr>
           <a:xfrm>
-            <a:off x="3660967" y="1862700"/>
-            <a:ext cx="2097599" cy="579700"/>
+            <a:off x="1880986" y="1740592"/>
+            <a:ext cx="2097599" cy="1101240"/>
           </a:xfrm>
           <a:prstGeom prst="rect">
             <a:avLst/>
@@ -3509,10 +3510,10 @@
       </p:pic>
       <p:pic>
         <p:nvPicPr>
-          <p:cNvPr id="13" name="Picture 12" descr="A picture containing drawing&#10;&#10;Description automatically generated">
-            <a:extLst>
-              <a:ext uri="{FF2B5EF4-FFF2-40B4-BE49-F238E27FC236}">
-                <a16:creationId xmlns:a16="http://schemas.microsoft.com/office/drawing/2014/main" id="{AC614A6A-ED40-3044-8136-E20441624A71}"/>
+          <p:cNvPr id="8" name="Picture 7" descr="Shape&#10;&#10;Description automatically generated with low confidence">
+            <a:extLst>
+              <a:ext uri="{FF2B5EF4-FFF2-40B4-BE49-F238E27FC236}">
+                <a16:creationId xmlns:a16="http://schemas.microsoft.com/office/drawing/2014/main" id="{31728544-98D4-006E-B3F5-188AE131B414}"/>
               </a:ext>
             </a:extLst>
           </p:cNvPr>
@@ -3529,8 +3530,8 @@
         </p:blipFill>
         <p:spPr>
           <a:xfrm>
-            <a:off x="6142912" y="676660"/>
-            <a:ext cx="3150055" cy="750013"/>
+            <a:off x="6975682" y="1481116"/>
+            <a:ext cx="1444118" cy="1444118"/>
           </a:xfrm>
           <a:prstGeom prst="rect">
             <a:avLst/>
@@ -3539,10 +3540,10 @@
       </p:pic>
       <p:pic>
         <p:nvPicPr>
-          <p:cNvPr id="6" name="Picture 5" descr="A picture containing drawing&#10;&#10;Description automatically generated">
-            <a:extLst>
-              <a:ext uri="{FF2B5EF4-FFF2-40B4-BE49-F238E27FC236}">
-                <a16:creationId xmlns:a16="http://schemas.microsoft.com/office/drawing/2014/main" id="{C4EF1D29-2FF1-4244-AB22-6C5904462609}"/>
+          <p:cNvPr id="13" name="Picture 12" descr="A picture containing drawing&#10;&#10;Description automatically generated">
+            <a:extLst>
+              <a:ext uri="{FF2B5EF4-FFF2-40B4-BE49-F238E27FC236}">
+                <a16:creationId xmlns:a16="http://schemas.microsoft.com/office/drawing/2014/main" id="{AC614A6A-ED40-3044-8136-E20441624A71}"/>
               </a:ext>
             </a:extLst>
           </p:cNvPr>
@@ -3559,68 +3560,8 @@
         </p:blipFill>
         <p:spPr>
           <a:xfrm>
-            <a:off x="3912109" y="451794"/>
-            <a:ext cx="2363511" cy="1240843"/>
-          </a:xfrm>
-          <a:prstGeom prst="rect">
-            <a:avLst/>
-          </a:prstGeom>
-        </p:spPr>
-      </p:pic>
-      <p:pic>
-        <p:nvPicPr>
-          <p:cNvPr id="3" name="Picture 2">
-            <a:extLst>
-              <a:ext uri="{FF2B5EF4-FFF2-40B4-BE49-F238E27FC236}">
-                <a16:creationId xmlns:a16="http://schemas.microsoft.com/office/drawing/2014/main" id="{71F46D73-792F-504D-A826-817BFC426084}"/>
-              </a:ext>
-            </a:extLst>
-          </p:cNvPr>
-          <p:cNvPicPr>
-            <a:picLocks noChangeAspect="1"/>
-          </p:cNvPicPr>
-          <p:nvPr/>
-        </p:nvPicPr>
-        <p:blipFill>
-          <a:blip r:embed="rId10"/>
-          <a:stretch>
-            <a:fillRect/>
-          </a:stretch>
-        </p:blipFill>
-        <p:spPr>
-          <a:xfrm>
-            <a:off x="9559566" y="497098"/>
-            <a:ext cx="1085398" cy="1085398"/>
-          </a:xfrm>
-          <a:prstGeom prst="rect">
-            <a:avLst/>
-          </a:prstGeom>
-        </p:spPr>
-      </p:pic>
-      <p:pic>
-        <p:nvPicPr>
-          <p:cNvPr id="14" name="Picture 13">
-            <a:extLst>
-              <a:ext uri="{FF2B5EF4-FFF2-40B4-BE49-F238E27FC236}">
-                <a16:creationId xmlns:a16="http://schemas.microsoft.com/office/drawing/2014/main" id="{620BFFB8-9024-0F4C-B160-12A9652EECC0}"/>
-              </a:ext>
-            </a:extLst>
-          </p:cNvPr>
-          <p:cNvPicPr>
-            <a:picLocks noChangeAspect="1"/>
-          </p:cNvPicPr>
-          <p:nvPr/>
-        </p:nvPicPr>
-        <p:blipFill>
-          <a:blip r:embed="rId11"/>
-          <a:stretch>
-            <a:fillRect/>
-          </a:stretch>
-        </p:blipFill>
-        <p:spPr>
-          <a:xfrm>
-            <a:off x="8970396" y="1688915"/>
-            <a:ext cx="2514600" cy="1092200"/>
+            <a:off x="6096000" y="669308"/>
+            <a:ext cx="2917917" cy="694742"/>
           </a:xfrm>
           <a:prstGeom prst="rect">
             <a:avLst/>
@@ -3630,7 +3571,7 @@
     </p:spTree>
     <p:extLst>
       <p:ext uri="{BB962C8B-B14F-4D97-AF65-F5344CB8AC3E}">
-        <p14:creationId xmlns:p14="http://schemas.microsoft.com/office/powerpoint/2010/main" val="266081225"/>
+        <p14:creationId xmlns:p14="http://schemas.microsoft.com/office/powerpoint/2010/main" val="301874325"/>
       </p:ext>
     </p:extLst>
   </p:cSld>
@@ -3659,10 +3600,10 @@
       </p:grpSpPr>
       <p:pic>
         <p:nvPicPr>
-          <p:cNvPr id="5" name="Picture 4" descr="A picture containing drawing&#10;&#10;Description automatically generated">
-            <a:extLst>
-              <a:ext uri="{FF2B5EF4-FFF2-40B4-BE49-F238E27FC236}">
-                <a16:creationId xmlns:a16="http://schemas.microsoft.com/office/drawing/2014/main" id="{ED41A225-979F-6D45-964C-E0B6D33B1FFF}"/>
+          <p:cNvPr id="15" name="Picture 14" descr="A close up of a logo&#10;&#10;Description automatically generated">
+            <a:extLst>
+              <a:ext uri="{FF2B5EF4-FFF2-40B4-BE49-F238E27FC236}">
+                <a16:creationId xmlns:a16="http://schemas.microsoft.com/office/drawing/2014/main" id="{50F3F5D7-5F40-6C41-835E-9B8E3D3994D9}"/>
               </a:ext>
             </a:extLst>
           </p:cNvPr>
@@ -3679,8 +3620,8 @@
         </p:blipFill>
         <p:spPr>
           <a:xfrm>
-            <a:off x="426628" y="388995"/>
-            <a:ext cx="1181664" cy="1189096"/>
+            <a:off x="2089735" y="73838"/>
+            <a:ext cx="1849727" cy="1849727"/>
           </a:xfrm>
           <a:prstGeom prst="rect">
             <a:avLst/>
@@ -3689,10 +3630,10 @@
       </p:pic>
       <p:pic>
         <p:nvPicPr>
-          <p:cNvPr id="7" name="Picture 6" descr="A picture containing drawing&#10;&#10;Description automatically generated">
-            <a:extLst>
-              <a:ext uri="{FF2B5EF4-FFF2-40B4-BE49-F238E27FC236}">
-                <a16:creationId xmlns:a16="http://schemas.microsoft.com/office/drawing/2014/main" id="{23651258-4DDC-844D-805E-6ACE555CB52A}"/>
+          <p:cNvPr id="11" name="Picture 10">
+            <a:extLst>
+              <a:ext uri="{FF2B5EF4-FFF2-40B4-BE49-F238E27FC236}">
+                <a16:creationId xmlns:a16="http://schemas.microsoft.com/office/drawing/2014/main" id="{1FC1A3D8-A20B-8B47-86D6-328E583FFCB6}"/>
               </a:ext>
             </a:extLst>
           </p:cNvPr>
@@ -3709,8 +3650,8 @@
         </p:blipFill>
         <p:spPr>
           <a:xfrm>
-            <a:off x="426628" y="1862700"/>
-            <a:ext cx="1181664" cy="1038176"/>
+            <a:off x="1711401" y="1666795"/>
+            <a:ext cx="2097599" cy="1101240"/>
           </a:xfrm>
           <a:prstGeom prst="rect">
             <a:avLst/>
@@ -3719,10 +3660,10 @@
       </p:pic>
       <p:pic>
         <p:nvPicPr>
-          <p:cNvPr id="9" name="Picture 8" descr="A picture containing drawing, plate&#10;&#10;Description automatically generated">
-            <a:extLst>
-              <a:ext uri="{FF2B5EF4-FFF2-40B4-BE49-F238E27FC236}">
-                <a16:creationId xmlns:a16="http://schemas.microsoft.com/office/drawing/2014/main" id="{D06E5292-11C2-2E4D-B66E-A1B949D692E2}"/>
+          <p:cNvPr id="8" name="Picture 7">
+            <a:extLst>
+              <a:ext uri="{FF2B5EF4-FFF2-40B4-BE49-F238E27FC236}">
+                <a16:creationId xmlns:a16="http://schemas.microsoft.com/office/drawing/2014/main" id="{017C8E2A-1122-0545-BC58-2E863E64B0A8}"/>
               </a:ext>
             </a:extLst>
           </p:cNvPr>
@@ -3739,8 +3680,8 @@
         </p:blipFill>
         <p:spPr>
           <a:xfrm>
-            <a:off x="2189767" y="1978370"/>
-            <a:ext cx="2097599" cy="579700"/>
+            <a:off x="5809194" y="1267067"/>
+            <a:ext cx="3523288" cy="1849726"/>
           </a:xfrm>
           <a:prstGeom prst="rect">
             <a:avLst/>
@@ -3749,10 +3690,10 @@
       </p:pic>
       <p:pic>
         <p:nvPicPr>
-          <p:cNvPr id="13" name="Picture 12" descr="A picture containing drawing&#10;&#10;Description automatically generated">
-            <a:extLst>
-              <a:ext uri="{FF2B5EF4-FFF2-40B4-BE49-F238E27FC236}">
-                <a16:creationId xmlns:a16="http://schemas.microsoft.com/office/drawing/2014/main" id="{AC614A6A-ED40-3044-8136-E20441624A71}"/>
+          <p:cNvPr id="5" name="Picture 4" descr="A picture containing drawing&#10;&#10;Description automatically generated">
+            <a:extLst>
+              <a:ext uri="{FF2B5EF4-FFF2-40B4-BE49-F238E27FC236}">
+                <a16:creationId xmlns:a16="http://schemas.microsoft.com/office/drawing/2014/main" id="{ED41A225-979F-6D45-964C-E0B6D33B1FFF}"/>
               </a:ext>
             </a:extLst>
           </p:cNvPr>
@@ -3769,8 +3710,8 @@
         </p:blipFill>
         <p:spPr>
           <a:xfrm>
-            <a:off x="6257035" y="636172"/>
-            <a:ext cx="2917917" cy="694742"/>
+            <a:off x="426628" y="388995"/>
+            <a:ext cx="1181664" cy="1189096"/>
           </a:xfrm>
           <a:prstGeom prst="rect">
             <a:avLst/>
@@ -3779,10 +3720,10 @@
       </p:pic>
       <p:pic>
         <p:nvPicPr>
-          <p:cNvPr id="15" name="Picture 14" descr="A close up of a logo&#10;&#10;Description automatically generated">
-            <a:extLst>
-              <a:ext uri="{FF2B5EF4-FFF2-40B4-BE49-F238E27FC236}">
-                <a16:creationId xmlns:a16="http://schemas.microsoft.com/office/drawing/2014/main" id="{50F3F5D7-5F40-6C41-835E-9B8E3D3994D9}"/>
+          <p:cNvPr id="7" name="Picture 6" descr="A picture containing drawing&#10;&#10;Description automatically generated">
+            <a:extLst>
+              <a:ext uri="{FF2B5EF4-FFF2-40B4-BE49-F238E27FC236}">
+                <a16:creationId xmlns:a16="http://schemas.microsoft.com/office/drawing/2014/main" id="{23651258-4DDC-844D-805E-6ACE555CB52A}"/>
               </a:ext>
             </a:extLst>
           </p:cNvPr>
@@ -3799,8 +3740,8 @@
         </p:blipFill>
         <p:spPr>
           <a:xfrm>
-            <a:off x="2089735" y="73838"/>
-            <a:ext cx="1849727" cy="1849727"/>
+            <a:off x="426628" y="1862700"/>
+            <a:ext cx="1181664" cy="1038176"/>
           </a:xfrm>
           <a:prstGeom prst="rect">
             <a:avLst/>
@@ -3809,10 +3750,10 @@
       </p:pic>
       <p:pic>
         <p:nvPicPr>
-          <p:cNvPr id="19" name="Picture 18" descr="A picture containing drawing&#10;&#10;Description automatically generated">
-            <a:extLst>
-              <a:ext uri="{FF2B5EF4-FFF2-40B4-BE49-F238E27FC236}">
-                <a16:creationId xmlns:a16="http://schemas.microsoft.com/office/drawing/2014/main" id="{0A779F4B-A851-7747-858C-773DF6B8E24F}"/>
+          <p:cNvPr id="9" name="Picture 8" descr="A picture containing drawing, plate&#10;&#10;Description automatically generated">
+            <a:extLst>
+              <a:ext uri="{FF2B5EF4-FFF2-40B4-BE49-F238E27FC236}">
+                <a16:creationId xmlns:a16="http://schemas.microsoft.com/office/drawing/2014/main" id="{D06E5292-11C2-2E4D-B66E-A1B949D692E2}"/>
               </a:ext>
             </a:extLst>
           </p:cNvPr>
@@ -3829,8 +3770,8 @@
         </p:blipFill>
         <p:spPr>
           <a:xfrm>
-            <a:off x="7109651" y="1883428"/>
-            <a:ext cx="1755138" cy="719449"/>
+            <a:off x="3660967" y="1862700"/>
+            <a:ext cx="2097599" cy="579700"/>
           </a:xfrm>
           <a:prstGeom prst="rect">
             <a:avLst/>
@@ -3839,10 +3780,10 @@
       </p:pic>
       <p:pic>
         <p:nvPicPr>
-          <p:cNvPr id="21" name="Picture 20" descr="A close up of a logo&#10;&#10;Description automatically generated">
-            <a:extLst>
-              <a:ext uri="{FF2B5EF4-FFF2-40B4-BE49-F238E27FC236}">
-                <a16:creationId xmlns:a16="http://schemas.microsoft.com/office/drawing/2014/main" id="{B9F7CD0D-B977-5D4D-8E2B-F1A4D2CF2251}"/>
+          <p:cNvPr id="13" name="Picture 12" descr="A picture containing drawing&#10;&#10;Description automatically generated">
+            <a:extLst>
+              <a:ext uri="{FF2B5EF4-FFF2-40B4-BE49-F238E27FC236}">
+                <a16:creationId xmlns:a16="http://schemas.microsoft.com/office/drawing/2014/main" id="{AC614A6A-ED40-3044-8136-E20441624A71}"/>
               </a:ext>
             </a:extLst>
           </p:cNvPr>
@@ -3859,8 +3800,8 @@
         </p:blipFill>
         <p:spPr>
           <a:xfrm>
-            <a:off x="4868842" y="1740593"/>
-            <a:ext cx="1514062" cy="1055255"/>
+            <a:off x="6142912" y="676660"/>
+            <a:ext cx="3150055" cy="750013"/>
           </a:xfrm>
           <a:prstGeom prst="rect">
             <a:avLst/>
@@ -3889,8 +3830,68 @@
         </p:blipFill>
         <p:spPr>
           <a:xfrm>
-            <a:off x="3927578" y="388995"/>
+            <a:off x="3912109" y="451794"/>
             <a:ext cx="2363511" cy="1240843"/>
+          </a:xfrm>
+          <a:prstGeom prst="rect">
+            <a:avLst/>
+          </a:prstGeom>
+        </p:spPr>
+      </p:pic>
+      <p:pic>
+        <p:nvPicPr>
+          <p:cNvPr id="3" name="Picture 2">
+            <a:extLst>
+              <a:ext uri="{FF2B5EF4-FFF2-40B4-BE49-F238E27FC236}">
+                <a16:creationId xmlns:a16="http://schemas.microsoft.com/office/drawing/2014/main" id="{71F46D73-792F-504D-A826-817BFC426084}"/>
+              </a:ext>
+            </a:extLst>
+          </p:cNvPr>
+          <p:cNvPicPr>
+            <a:picLocks noChangeAspect="1"/>
+          </p:cNvPicPr>
+          <p:nvPr/>
+        </p:nvPicPr>
+        <p:blipFill>
+          <a:blip r:embed="rId10"/>
+          <a:stretch>
+            <a:fillRect/>
+          </a:stretch>
+        </p:blipFill>
+        <p:spPr>
+          <a:xfrm>
+            <a:off x="9559566" y="497098"/>
+            <a:ext cx="1085398" cy="1085398"/>
+          </a:xfrm>
+          <a:prstGeom prst="rect">
+            <a:avLst/>
+          </a:prstGeom>
+        </p:spPr>
+      </p:pic>
+      <p:pic>
+        <p:nvPicPr>
+          <p:cNvPr id="14" name="Picture 13">
+            <a:extLst>
+              <a:ext uri="{FF2B5EF4-FFF2-40B4-BE49-F238E27FC236}">
+                <a16:creationId xmlns:a16="http://schemas.microsoft.com/office/drawing/2014/main" id="{620BFFB8-9024-0F4C-B160-12A9652EECC0}"/>
+              </a:ext>
+            </a:extLst>
+          </p:cNvPr>
+          <p:cNvPicPr>
+            <a:picLocks noChangeAspect="1"/>
+          </p:cNvPicPr>
+          <p:nvPr/>
+        </p:nvPicPr>
+        <p:blipFill>
+          <a:blip r:embed="rId11"/>
+          <a:stretch>
+            <a:fillRect/>
+          </a:stretch>
+        </p:blipFill>
+        <p:spPr>
+          <a:xfrm>
+            <a:off x="8970396" y="1688915"/>
+            <a:ext cx="2514600" cy="1092200"/>
           </a:xfrm>
           <a:prstGeom prst="rect">
             <a:avLst/>
@@ -3900,7 +3901,277 @@
     </p:spTree>
     <p:extLst>
       <p:ext uri="{BB962C8B-B14F-4D97-AF65-F5344CB8AC3E}">
-        <p14:creationId xmlns:p14="http://schemas.microsoft.com/office/powerpoint/2010/main" val="301874325"/>
+        <p14:creationId xmlns:p14="http://schemas.microsoft.com/office/powerpoint/2010/main" val="266081225"/>
+      </p:ext>
+    </p:extLst>
+  </p:cSld>
+  <p:clrMapOvr>
+    <a:masterClrMapping/>
+  </p:clrMapOvr>
+</p:sld>
+</file>
+
+<file path=ppt/slides/slide3.xml><?xml version="1.0" encoding="utf-8"?>
+<p:sld xmlns:a="http://schemas.openxmlformats.org/drawingml/2006/main" xmlns:r="http://schemas.openxmlformats.org/officeDocument/2006/relationships" xmlns:p="http://schemas.openxmlformats.org/presentationml/2006/main">
+  <p:cSld>
+    <p:spTree>
+      <p:nvGrpSpPr>
+        <p:cNvPr id="1" name=""/>
+        <p:cNvGrpSpPr/>
+        <p:nvPr/>
+      </p:nvGrpSpPr>
+      <p:grpSpPr>
+        <a:xfrm>
+          <a:off x="0" y="0"/>
+          <a:ext cx="0" cy="0"/>
+          <a:chOff x="0" y="0"/>
+          <a:chExt cx="0" cy="0"/>
+        </a:xfrm>
+      </p:grpSpPr>
+      <p:pic>
+        <p:nvPicPr>
+          <p:cNvPr id="5" name="Picture 4" descr="A picture containing drawing&#10;&#10;Description automatically generated">
+            <a:extLst>
+              <a:ext uri="{FF2B5EF4-FFF2-40B4-BE49-F238E27FC236}">
+                <a16:creationId xmlns:a16="http://schemas.microsoft.com/office/drawing/2014/main" id="{ED41A225-979F-6D45-964C-E0B6D33B1FFF}"/>
+              </a:ext>
+            </a:extLst>
+          </p:cNvPr>
+          <p:cNvPicPr>
+            <a:picLocks noChangeAspect="1"/>
+          </p:cNvPicPr>
+          <p:nvPr/>
+        </p:nvPicPr>
+        <p:blipFill>
+          <a:blip r:embed="rId2"/>
+          <a:stretch>
+            <a:fillRect/>
+          </a:stretch>
+        </p:blipFill>
+        <p:spPr>
+          <a:xfrm>
+            <a:off x="426628" y="388995"/>
+            <a:ext cx="1181664" cy="1189096"/>
+          </a:xfrm>
+          <a:prstGeom prst="rect">
+            <a:avLst/>
+          </a:prstGeom>
+        </p:spPr>
+      </p:pic>
+      <p:pic>
+        <p:nvPicPr>
+          <p:cNvPr id="7" name="Picture 6" descr="A picture containing drawing&#10;&#10;Description automatically generated">
+            <a:extLst>
+              <a:ext uri="{FF2B5EF4-FFF2-40B4-BE49-F238E27FC236}">
+                <a16:creationId xmlns:a16="http://schemas.microsoft.com/office/drawing/2014/main" id="{23651258-4DDC-844D-805E-6ACE555CB52A}"/>
+              </a:ext>
+            </a:extLst>
+          </p:cNvPr>
+          <p:cNvPicPr>
+            <a:picLocks noChangeAspect="1"/>
+          </p:cNvPicPr>
+          <p:nvPr/>
+        </p:nvPicPr>
+        <p:blipFill>
+          <a:blip r:embed="rId3"/>
+          <a:stretch>
+            <a:fillRect/>
+          </a:stretch>
+        </p:blipFill>
+        <p:spPr>
+          <a:xfrm>
+            <a:off x="426628" y="1862700"/>
+            <a:ext cx="1181664" cy="1038176"/>
+          </a:xfrm>
+          <a:prstGeom prst="rect">
+            <a:avLst/>
+          </a:prstGeom>
+        </p:spPr>
+      </p:pic>
+      <p:pic>
+        <p:nvPicPr>
+          <p:cNvPr id="9" name="Picture 8" descr="A picture containing drawing, plate&#10;&#10;Description automatically generated">
+            <a:extLst>
+              <a:ext uri="{FF2B5EF4-FFF2-40B4-BE49-F238E27FC236}">
+                <a16:creationId xmlns:a16="http://schemas.microsoft.com/office/drawing/2014/main" id="{D06E5292-11C2-2E4D-B66E-A1B949D692E2}"/>
+              </a:ext>
+            </a:extLst>
+          </p:cNvPr>
+          <p:cNvPicPr>
+            <a:picLocks noChangeAspect="1"/>
+          </p:cNvPicPr>
+          <p:nvPr/>
+        </p:nvPicPr>
+        <p:blipFill>
+          <a:blip r:embed="rId4"/>
+          <a:stretch>
+            <a:fillRect/>
+          </a:stretch>
+        </p:blipFill>
+        <p:spPr>
+          <a:xfrm>
+            <a:off x="2189767" y="1978370"/>
+            <a:ext cx="2097599" cy="579700"/>
+          </a:xfrm>
+          <a:prstGeom prst="rect">
+            <a:avLst/>
+          </a:prstGeom>
+        </p:spPr>
+      </p:pic>
+      <p:pic>
+        <p:nvPicPr>
+          <p:cNvPr id="13" name="Picture 12" descr="A picture containing drawing&#10;&#10;Description automatically generated">
+            <a:extLst>
+              <a:ext uri="{FF2B5EF4-FFF2-40B4-BE49-F238E27FC236}">
+                <a16:creationId xmlns:a16="http://schemas.microsoft.com/office/drawing/2014/main" id="{AC614A6A-ED40-3044-8136-E20441624A71}"/>
+              </a:ext>
+            </a:extLst>
+          </p:cNvPr>
+          <p:cNvPicPr>
+            <a:picLocks noChangeAspect="1"/>
+          </p:cNvPicPr>
+          <p:nvPr/>
+        </p:nvPicPr>
+        <p:blipFill>
+          <a:blip r:embed="rId5"/>
+          <a:stretch>
+            <a:fillRect/>
+          </a:stretch>
+        </p:blipFill>
+        <p:spPr>
+          <a:xfrm>
+            <a:off x="6257035" y="636172"/>
+            <a:ext cx="2917917" cy="694742"/>
+          </a:xfrm>
+          <a:prstGeom prst="rect">
+            <a:avLst/>
+          </a:prstGeom>
+        </p:spPr>
+      </p:pic>
+      <p:pic>
+        <p:nvPicPr>
+          <p:cNvPr id="15" name="Picture 14" descr="A close up of a logo&#10;&#10;Description automatically generated">
+            <a:extLst>
+              <a:ext uri="{FF2B5EF4-FFF2-40B4-BE49-F238E27FC236}">
+                <a16:creationId xmlns:a16="http://schemas.microsoft.com/office/drawing/2014/main" id="{50F3F5D7-5F40-6C41-835E-9B8E3D3994D9}"/>
+              </a:ext>
+            </a:extLst>
+          </p:cNvPr>
+          <p:cNvPicPr>
+            <a:picLocks noChangeAspect="1"/>
+          </p:cNvPicPr>
+          <p:nvPr/>
+        </p:nvPicPr>
+        <p:blipFill>
+          <a:blip r:embed="rId6"/>
+          <a:stretch>
+            <a:fillRect/>
+          </a:stretch>
+        </p:blipFill>
+        <p:spPr>
+          <a:xfrm>
+            <a:off x="2089735" y="73838"/>
+            <a:ext cx="1849727" cy="1849727"/>
+          </a:xfrm>
+          <a:prstGeom prst="rect">
+            <a:avLst/>
+          </a:prstGeom>
+        </p:spPr>
+      </p:pic>
+      <p:pic>
+        <p:nvPicPr>
+          <p:cNvPr id="19" name="Picture 18" descr="A picture containing drawing&#10;&#10;Description automatically generated">
+            <a:extLst>
+              <a:ext uri="{FF2B5EF4-FFF2-40B4-BE49-F238E27FC236}">
+                <a16:creationId xmlns:a16="http://schemas.microsoft.com/office/drawing/2014/main" id="{0A779F4B-A851-7747-858C-773DF6B8E24F}"/>
+              </a:ext>
+            </a:extLst>
+          </p:cNvPr>
+          <p:cNvPicPr>
+            <a:picLocks noChangeAspect="1"/>
+          </p:cNvPicPr>
+          <p:nvPr/>
+        </p:nvPicPr>
+        <p:blipFill>
+          <a:blip r:embed="rId7"/>
+          <a:stretch>
+            <a:fillRect/>
+          </a:stretch>
+        </p:blipFill>
+        <p:spPr>
+          <a:xfrm>
+            <a:off x="7109651" y="1883428"/>
+            <a:ext cx="1755138" cy="719449"/>
+          </a:xfrm>
+          <a:prstGeom prst="rect">
+            <a:avLst/>
+          </a:prstGeom>
+        </p:spPr>
+      </p:pic>
+      <p:pic>
+        <p:nvPicPr>
+          <p:cNvPr id="21" name="Picture 20" descr="A close up of a logo&#10;&#10;Description automatically generated">
+            <a:extLst>
+              <a:ext uri="{FF2B5EF4-FFF2-40B4-BE49-F238E27FC236}">
+                <a16:creationId xmlns:a16="http://schemas.microsoft.com/office/drawing/2014/main" id="{B9F7CD0D-B977-5D4D-8E2B-F1A4D2CF2251}"/>
+              </a:ext>
+            </a:extLst>
+          </p:cNvPr>
+          <p:cNvPicPr>
+            <a:picLocks noChangeAspect="1"/>
+          </p:cNvPicPr>
+          <p:nvPr/>
+        </p:nvPicPr>
+        <p:blipFill>
+          <a:blip r:embed="rId8"/>
+          <a:stretch>
+            <a:fillRect/>
+          </a:stretch>
+        </p:blipFill>
+        <p:spPr>
+          <a:xfrm>
+            <a:off x="4868842" y="1740593"/>
+            <a:ext cx="1514062" cy="1055255"/>
+          </a:xfrm>
+          <a:prstGeom prst="rect">
+            <a:avLst/>
+          </a:prstGeom>
+        </p:spPr>
+      </p:pic>
+      <p:pic>
+        <p:nvPicPr>
+          <p:cNvPr id="6" name="Picture 5" descr="A picture containing drawing&#10;&#10;Description automatically generated">
+            <a:extLst>
+              <a:ext uri="{FF2B5EF4-FFF2-40B4-BE49-F238E27FC236}">
+                <a16:creationId xmlns:a16="http://schemas.microsoft.com/office/drawing/2014/main" id="{C4EF1D29-2FF1-4244-AB22-6C5904462609}"/>
+              </a:ext>
+            </a:extLst>
+          </p:cNvPr>
+          <p:cNvPicPr>
+            <a:picLocks noChangeAspect="1"/>
+          </p:cNvPicPr>
+          <p:nvPr/>
+        </p:nvPicPr>
+        <p:blipFill>
+          <a:blip r:embed="rId9"/>
+          <a:stretch>
+            <a:fillRect/>
+          </a:stretch>
+        </p:blipFill>
+        <p:spPr>
+          <a:xfrm>
+            <a:off x="3927578" y="388995"/>
+            <a:ext cx="2363511" cy="1240843"/>
+          </a:xfrm>
+          <a:prstGeom prst="rect">
+            <a:avLst/>
+          </a:prstGeom>
+        </p:spPr>
+      </p:pic>
+    </p:spTree>
+    <p:extLst>
+      <p:ext uri="{BB962C8B-B14F-4D97-AF65-F5344CB8AC3E}">
+        <p14:creationId xmlns:p14="http://schemas.microsoft.com/office/powerpoint/2010/main" val="3200195643"/>
       </p:ext>
     </p:extLst>
   </p:cSld>

--- a/sponsors/Sponsors.pptx
+++ b/sponsors/Sponsors.pptx
@@ -261,7 +261,7 @@
           <a:p>
             <a:fld id="{DEF9554B-B9F5-F54C-9585-F8785B6DBCA8}" type="datetimeFigureOut">
               <a:rPr lang="en-US" smtClean="0"/>
-              <a:t>3/3/23</a:t>
+              <a:t>3/6/23</a:t>
             </a:fld>
             <a:endParaRPr lang="en-US"/>
           </a:p>
@@ -459,7 +459,7 @@
           <a:p>
             <a:fld id="{DEF9554B-B9F5-F54C-9585-F8785B6DBCA8}" type="datetimeFigureOut">
               <a:rPr lang="en-US" smtClean="0"/>
-              <a:t>3/3/23</a:t>
+              <a:t>3/6/23</a:t>
             </a:fld>
             <a:endParaRPr lang="en-US"/>
           </a:p>
@@ -667,7 +667,7 @@
           <a:p>
             <a:fld id="{DEF9554B-B9F5-F54C-9585-F8785B6DBCA8}" type="datetimeFigureOut">
               <a:rPr lang="en-US" smtClean="0"/>
-              <a:t>3/3/23</a:t>
+              <a:t>3/6/23</a:t>
             </a:fld>
             <a:endParaRPr lang="en-US"/>
           </a:p>
@@ -865,7 +865,7 @@
           <a:p>
             <a:fld id="{DEF9554B-B9F5-F54C-9585-F8785B6DBCA8}" type="datetimeFigureOut">
               <a:rPr lang="en-US" smtClean="0"/>
-              <a:t>3/3/23</a:t>
+              <a:t>3/6/23</a:t>
             </a:fld>
             <a:endParaRPr lang="en-US"/>
           </a:p>
@@ -1140,7 +1140,7 @@
           <a:p>
             <a:fld id="{DEF9554B-B9F5-F54C-9585-F8785B6DBCA8}" type="datetimeFigureOut">
               <a:rPr lang="en-US" smtClean="0"/>
-              <a:t>3/3/23</a:t>
+              <a:t>3/6/23</a:t>
             </a:fld>
             <a:endParaRPr lang="en-US"/>
           </a:p>
@@ -1405,7 +1405,7 @@
           <a:p>
             <a:fld id="{DEF9554B-B9F5-F54C-9585-F8785B6DBCA8}" type="datetimeFigureOut">
               <a:rPr lang="en-US" smtClean="0"/>
-              <a:t>3/3/23</a:t>
+              <a:t>3/6/23</a:t>
             </a:fld>
             <a:endParaRPr lang="en-US"/>
           </a:p>
@@ -1817,7 +1817,7 @@
           <a:p>
             <a:fld id="{DEF9554B-B9F5-F54C-9585-F8785B6DBCA8}" type="datetimeFigureOut">
               <a:rPr lang="en-US" smtClean="0"/>
-              <a:t>3/3/23</a:t>
+              <a:t>3/6/23</a:t>
             </a:fld>
             <a:endParaRPr lang="en-US"/>
           </a:p>
@@ -1958,7 +1958,7 @@
           <a:p>
             <a:fld id="{DEF9554B-B9F5-F54C-9585-F8785B6DBCA8}" type="datetimeFigureOut">
               <a:rPr lang="en-US" smtClean="0"/>
-              <a:t>3/3/23</a:t>
+              <a:t>3/6/23</a:t>
             </a:fld>
             <a:endParaRPr lang="en-US"/>
           </a:p>
@@ -2071,7 +2071,7 @@
           <a:p>
             <a:fld id="{DEF9554B-B9F5-F54C-9585-F8785B6DBCA8}" type="datetimeFigureOut">
               <a:rPr lang="en-US" smtClean="0"/>
-              <a:t>3/3/23</a:t>
+              <a:t>3/6/23</a:t>
             </a:fld>
             <a:endParaRPr lang="en-US"/>
           </a:p>
@@ -2382,7 +2382,7 @@
           <a:p>
             <a:fld id="{DEF9554B-B9F5-F54C-9585-F8785B6DBCA8}" type="datetimeFigureOut">
               <a:rPr lang="en-US" smtClean="0"/>
-              <a:t>3/3/23</a:t>
+              <a:t>3/6/23</a:t>
             </a:fld>
             <a:endParaRPr lang="en-US"/>
           </a:p>
@@ -2670,7 +2670,7 @@
           <a:p>
             <a:fld id="{DEF9554B-B9F5-F54C-9585-F8785B6DBCA8}" type="datetimeFigureOut">
               <a:rPr lang="en-US" smtClean="0"/>
-              <a:t>3/3/23</a:t>
+              <a:t>3/6/23</a:t>
             </a:fld>
             <a:endParaRPr lang="en-US"/>
           </a:p>
@@ -2911,7 +2911,7 @@
           <a:p>
             <a:fld id="{DEF9554B-B9F5-F54C-9585-F8785B6DBCA8}" type="datetimeFigureOut">
               <a:rPr lang="en-US" smtClean="0"/>
-              <a:t>3/3/23</a:t>
+              <a:t>3/6/23</a:t>
             </a:fld>
             <a:endParaRPr lang="en-US"/>
           </a:p>
@@ -3410,7 +3410,7 @@
         </p:blipFill>
         <p:spPr>
           <a:xfrm>
-            <a:off x="4186529" y="1957569"/>
+            <a:off x="3998401" y="1981086"/>
             <a:ext cx="2097599" cy="579700"/>
           </a:xfrm>
           <a:prstGeom prst="rect">
@@ -3440,7 +3440,7 @@
         </p:blipFill>
         <p:spPr>
           <a:xfrm>
-            <a:off x="2089735" y="73838"/>
+            <a:off x="2019247" y="78868"/>
             <a:ext cx="1849727" cy="1849727"/>
           </a:xfrm>
           <a:prstGeom prst="rect">
@@ -3450,10 +3450,10 @@
       </p:pic>
       <p:pic>
         <p:nvPicPr>
-          <p:cNvPr id="6" name="Picture 5" descr="A picture containing drawing&#10;&#10;Description automatically generated">
-            <a:extLst>
-              <a:ext uri="{FF2B5EF4-FFF2-40B4-BE49-F238E27FC236}">
-                <a16:creationId xmlns:a16="http://schemas.microsoft.com/office/drawing/2014/main" id="{C4EF1D29-2FF1-4244-AB22-6C5904462609}"/>
+          <p:cNvPr id="3" name="Picture 2">
+            <a:extLst>
+              <a:ext uri="{FF2B5EF4-FFF2-40B4-BE49-F238E27FC236}">
+                <a16:creationId xmlns:a16="http://schemas.microsoft.com/office/drawing/2014/main" id="{80F0072E-D3D1-8FFF-045E-6AAC6BAE40CB}"/>
               </a:ext>
             </a:extLst>
           </p:cNvPr>
@@ -3470,8 +3470,8 @@
         </p:blipFill>
         <p:spPr>
           <a:xfrm>
-            <a:off x="4018055" y="499749"/>
-            <a:ext cx="2363511" cy="1240843"/>
+            <a:off x="1771375" y="1720316"/>
+            <a:ext cx="2097599" cy="1101240"/>
           </a:xfrm>
           <a:prstGeom prst="rect">
             <a:avLst/>
@@ -3480,10 +3480,10 @@
       </p:pic>
       <p:pic>
         <p:nvPicPr>
-          <p:cNvPr id="3" name="Picture 2">
-            <a:extLst>
-              <a:ext uri="{FF2B5EF4-FFF2-40B4-BE49-F238E27FC236}">
-                <a16:creationId xmlns:a16="http://schemas.microsoft.com/office/drawing/2014/main" id="{80F0072E-D3D1-8FFF-045E-6AAC6BAE40CB}"/>
+          <p:cNvPr id="8" name="Picture 7" descr="Shape&#10;&#10;Description automatically generated with low confidence">
+            <a:extLst>
+              <a:ext uri="{FF2B5EF4-FFF2-40B4-BE49-F238E27FC236}">
+                <a16:creationId xmlns:a16="http://schemas.microsoft.com/office/drawing/2014/main" id="{31728544-98D4-006E-B3F5-188AE131B414}"/>
               </a:ext>
             </a:extLst>
           </p:cNvPr>
@@ -3500,8 +3500,8 @@
         </p:blipFill>
         <p:spPr>
           <a:xfrm>
-            <a:off x="1880986" y="1740592"/>
-            <a:ext cx="2097599" cy="1101240"/>
+            <a:off x="4304119" y="373857"/>
+            <a:ext cx="1327515" cy="1327515"/>
           </a:xfrm>
           <a:prstGeom prst="rect">
             <a:avLst/>
@@ -3510,10 +3510,10 @@
       </p:pic>
       <p:pic>
         <p:nvPicPr>
-          <p:cNvPr id="8" name="Picture 7" descr="Shape&#10;&#10;Description automatically generated with low confidence">
-            <a:extLst>
-              <a:ext uri="{FF2B5EF4-FFF2-40B4-BE49-F238E27FC236}">
-                <a16:creationId xmlns:a16="http://schemas.microsoft.com/office/drawing/2014/main" id="{31728544-98D4-006E-B3F5-188AE131B414}"/>
+          <p:cNvPr id="13" name="Picture 12" descr="A picture containing drawing&#10;&#10;Description automatically generated">
+            <a:extLst>
+              <a:ext uri="{FF2B5EF4-FFF2-40B4-BE49-F238E27FC236}">
+                <a16:creationId xmlns:a16="http://schemas.microsoft.com/office/drawing/2014/main" id="{AC614A6A-ED40-3044-8136-E20441624A71}"/>
               </a:ext>
             </a:extLst>
           </p:cNvPr>
@@ -3530,8 +3530,8 @@
         </p:blipFill>
         <p:spPr>
           <a:xfrm>
-            <a:off x="6975682" y="1481116"/>
-            <a:ext cx="1444118" cy="1444118"/>
+            <a:off x="6419508" y="1970656"/>
+            <a:ext cx="2917917" cy="694742"/>
           </a:xfrm>
           <a:prstGeom prst="rect">
             <a:avLst/>
@@ -3540,10 +3540,10 @@
       </p:pic>
       <p:pic>
         <p:nvPicPr>
-          <p:cNvPr id="13" name="Picture 12" descr="A picture containing drawing&#10;&#10;Description automatically generated">
-            <a:extLst>
-              <a:ext uri="{FF2B5EF4-FFF2-40B4-BE49-F238E27FC236}">
-                <a16:creationId xmlns:a16="http://schemas.microsoft.com/office/drawing/2014/main" id="{AC614A6A-ED40-3044-8136-E20441624A71}"/>
+          <p:cNvPr id="4" name="Picture 3" descr="A picture containing text, clipart&#10;&#10;Description automatically generated">
+            <a:extLst>
+              <a:ext uri="{FF2B5EF4-FFF2-40B4-BE49-F238E27FC236}">
+                <a16:creationId xmlns:a16="http://schemas.microsoft.com/office/drawing/2014/main" id="{0EC4DC7C-157C-ECBA-70B3-7BBE18D230D0}"/>
               </a:ext>
             </a:extLst>
           </p:cNvPr>
@@ -3560,8 +3560,8 @@
         </p:blipFill>
         <p:spPr>
           <a:xfrm>
-            <a:off x="6096000" y="669308"/>
-            <a:ext cx="2917917" cy="694742"/>
+            <a:off x="5837147" y="695902"/>
+            <a:ext cx="3739015" cy="615661"/>
           </a:xfrm>
           <a:prstGeom prst="rect">
             <a:avLst/>
